--- a/Documentation, presentation and QA/Psychopaths_Presentation.pptx
+++ b/Documentation, presentation and QA/Psychopaths_Presentation.pptx
@@ -112,7 +112,18 @@
   </p:defaultTextStyle>
   <p:extLst>
     <p:ext uri="{EFAFB233-063F-42B5-8137-9DF3F51BA10A}">
-      <p15:sldGuideLst xmlns:p15="http://schemas.microsoft.com/office/powerpoint/2012/main" xmlns=""/>
+      <p15:sldGuideLst xmlns:p15="http://schemas.microsoft.com/office/powerpoint/2012/main">
+        <p15:guide id="1" orient="horz" pos="2160">
+          <p15:clr>
+            <a:srgbClr val="A4A3A4"/>
+          </p15:clr>
+        </p15:guide>
+        <p15:guide id="2" pos="3840">
+          <p15:clr>
+            <a:srgbClr val="A4A3A4"/>
+          </p15:clr>
+        </p15:guide>
+      </p15:sldGuideLst>
     </p:ext>
   </p:extLst>
 </p:presentation>
@@ -140,7 +151,7 @@
           <p:cNvPr id="2" name="Title 1">
             <a:extLst>
               <a:ext uri="{FF2B5EF4-FFF2-40B4-BE49-F238E27FC236}">
-                <a16:creationId xmlns:a16="http://schemas.microsoft.com/office/drawing/2014/main" xmlns="" id="{3459CDCD-0119-1F82-2361-34F249A60A99}"/>
+                <a16:creationId xmlns:a16="http://schemas.microsoft.com/office/drawing/2014/main" id="{3459CDCD-0119-1F82-2361-34F249A60A99}"/>
               </a:ext>
             </a:extLst>
           </p:cNvPr>
@@ -178,7 +189,7 @@
           <p:cNvPr id="3" name="Subtitle 2">
             <a:extLst>
               <a:ext uri="{FF2B5EF4-FFF2-40B4-BE49-F238E27FC236}">
-                <a16:creationId xmlns:a16="http://schemas.microsoft.com/office/drawing/2014/main" xmlns="" id="{57053345-44F1-4350-72DC-1906D8CC667B}"/>
+                <a16:creationId xmlns:a16="http://schemas.microsoft.com/office/drawing/2014/main" id="{57053345-44F1-4350-72DC-1906D8CC667B}"/>
               </a:ext>
             </a:extLst>
           </p:cNvPr>
@@ -249,7 +260,7 @@
           <p:cNvPr id="4" name="Date Placeholder 3">
             <a:extLst>
               <a:ext uri="{FF2B5EF4-FFF2-40B4-BE49-F238E27FC236}">
-                <a16:creationId xmlns:a16="http://schemas.microsoft.com/office/drawing/2014/main" xmlns="" id="{977B7165-EB0C-FA28-88D9-202BFAE28D70}"/>
+                <a16:creationId xmlns:a16="http://schemas.microsoft.com/office/drawing/2014/main" id="{977B7165-EB0C-FA28-88D9-202BFAE28D70}"/>
               </a:ext>
             </a:extLst>
           </p:cNvPr>
@@ -278,7 +289,7 @@
           <p:cNvPr id="5" name="Footer Placeholder 4">
             <a:extLst>
               <a:ext uri="{FF2B5EF4-FFF2-40B4-BE49-F238E27FC236}">
-                <a16:creationId xmlns:a16="http://schemas.microsoft.com/office/drawing/2014/main" xmlns="" id="{850DCA97-688D-7008-6729-BFB668C8E16A}"/>
+                <a16:creationId xmlns:a16="http://schemas.microsoft.com/office/drawing/2014/main" id="{850DCA97-688D-7008-6729-BFB668C8E16A}"/>
               </a:ext>
             </a:extLst>
           </p:cNvPr>
@@ -303,7 +314,7 @@
           <p:cNvPr id="6" name="Slide Number Placeholder 5">
             <a:extLst>
               <a:ext uri="{FF2B5EF4-FFF2-40B4-BE49-F238E27FC236}">
-                <a16:creationId xmlns:a16="http://schemas.microsoft.com/office/drawing/2014/main" xmlns="" id="{2B349890-251F-3090-538A-9F638F903B61}"/>
+                <a16:creationId xmlns:a16="http://schemas.microsoft.com/office/drawing/2014/main" id="{2B349890-251F-3090-538A-9F638F903B61}"/>
               </a:ext>
             </a:extLst>
           </p:cNvPr>
@@ -362,7 +373,7 @@
           <p:cNvPr id="2" name="Title 1">
             <a:extLst>
               <a:ext uri="{FF2B5EF4-FFF2-40B4-BE49-F238E27FC236}">
-                <a16:creationId xmlns:a16="http://schemas.microsoft.com/office/drawing/2014/main" xmlns="" id="{B3EF2A33-5662-F1F4-C201-71E8B3114EAA}"/>
+                <a16:creationId xmlns:a16="http://schemas.microsoft.com/office/drawing/2014/main" id="{B3EF2A33-5662-F1F4-C201-71E8B3114EAA}"/>
               </a:ext>
             </a:extLst>
           </p:cNvPr>
@@ -391,7 +402,7 @@
           <p:cNvPr id="3" name="Vertical Text Placeholder 2">
             <a:extLst>
               <a:ext uri="{FF2B5EF4-FFF2-40B4-BE49-F238E27FC236}">
-                <a16:creationId xmlns:a16="http://schemas.microsoft.com/office/drawing/2014/main" xmlns="" id="{85148E5A-A213-8F20-CC93-9FC57DC3BD40}"/>
+                <a16:creationId xmlns:a16="http://schemas.microsoft.com/office/drawing/2014/main" id="{85148E5A-A213-8F20-CC93-9FC57DC3BD40}"/>
               </a:ext>
             </a:extLst>
           </p:cNvPr>
@@ -449,7 +460,7 @@
           <p:cNvPr id="4" name="Date Placeholder 3">
             <a:extLst>
               <a:ext uri="{FF2B5EF4-FFF2-40B4-BE49-F238E27FC236}">
-                <a16:creationId xmlns:a16="http://schemas.microsoft.com/office/drawing/2014/main" xmlns="" id="{34331979-556E-466D-32AE-44D17468E0BA}"/>
+                <a16:creationId xmlns:a16="http://schemas.microsoft.com/office/drawing/2014/main" id="{34331979-556E-466D-32AE-44D17468E0BA}"/>
               </a:ext>
             </a:extLst>
           </p:cNvPr>
@@ -478,7 +489,7 @@
           <p:cNvPr id="5" name="Footer Placeholder 4">
             <a:extLst>
               <a:ext uri="{FF2B5EF4-FFF2-40B4-BE49-F238E27FC236}">
-                <a16:creationId xmlns:a16="http://schemas.microsoft.com/office/drawing/2014/main" xmlns="" id="{A5B43021-85B9-53FD-130E-3AC4ADC87D6A}"/>
+                <a16:creationId xmlns:a16="http://schemas.microsoft.com/office/drawing/2014/main" id="{A5B43021-85B9-53FD-130E-3AC4ADC87D6A}"/>
               </a:ext>
             </a:extLst>
           </p:cNvPr>
@@ -503,7 +514,7 @@
           <p:cNvPr id="6" name="Slide Number Placeholder 5">
             <a:extLst>
               <a:ext uri="{FF2B5EF4-FFF2-40B4-BE49-F238E27FC236}">
-                <a16:creationId xmlns:a16="http://schemas.microsoft.com/office/drawing/2014/main" xmlns="" id="{C12AFD62-16BB-D6C9-357F-FBD3E4D7D8F4}"/>
+                <a16:creationId xmlns:a16="http://schemas.microsoft.com/office/drawing/2014/main" id="{C12AFD62-16BB-D6C9-357F-FBD3E4D7D8F4}"/>
               </a:ext>
             </a:extLst>
           </p:cNvPr>
@@ -562,7 +573,7 @@
           <p:cNvPr id="2" name="Vertical Title 1">
             <a:extLst>
               <a:ext uri="{FF2B5EF4-FFF2-40B4-BE49-F238E27FC236}">
-                <a16:creationId xmlns:a16="http://schemas.microsoft.com/office/drawing/2014/main" xmlns="" id="{8CEEFF11-64AC-177F-02DC-C8F91F22B85C}"/>
+                <a16:creationId xmlns:a16="http://schemas.microsoft.com/office/drawing/2014/main" id="{8CEEFF11-64AC-177F-02DC-C8F91F22B85C}"/>
               </a:ext>
             </a:extLst>
           </p:cNvPr>
@@ -596,7 +607,7 @@
           <p:cNvPr id="3" name="Vertical Text Placeholder 2">
             <a:extLst>
               <a:ext uri="{FF2B5EF4-FFF2-40B4-BE49-F238E27FC236}">
-                <a16:creationId xmlns:a16="http://schemas.microsoft.com/office/drawing/2014/main" xmlns="" id="{8D8D0B3E-0ACD-8390-56C0-4393F59B143F}"/>
+                <a16:creationId xmlns:a16="http://schemas.microsoft.com/office/drawing/2014/main" id="{8D8D0B3E-0ACD-8390-56C0-4393F59B143F}"/>
               </a:ext>
             </a:extLst>
           </p:cNvPr>
@@ -659,7 +670,7 @@
           <p:cNvPr id="4" name="Date Placeholder 3">
             <a:extLst>
               <a:ext uri="{FF2B5EF4-FFF2-40B4-BE49-F238E27FC236}">
-                <a16:creationId xmlns:a16="http://schemas.microsoft.com/office/drawing/2014/main" xmlns="" id="{573D641E-7D3C-3F57-B576-0C058195D91B}"/>
+                <a16:creationId xmlns:a16="http://schemas.microsoft.com/office/drawing/2014/main" id="{573D641E-7D3C-3F57-B576-0C058195D91B}"/>
               </a:ext>
             </a:extLst>
           </p:cNvPr>
@@ -688,7 +699,7 @@
           <p:cNvPr id="5" name="Footer Placeholder 4">
             <a:extLst>
               <a:ext uri="{FF2B5EF4-FFF2-40B4-BE49-F238E27FC236}">
-                <a16:creationId xmlns:a16="http://schemas.microsoft.com/office/drawing/2014/main" xmlns="" id="{11C791AB-4E3F-D2F4-76D1-9FC45919AE20}"/>
+                <a16:creationId xmlns:a16="http://schemas.microsoft.com/office/drawing/2014/main" id="{11C791AB-4E3F-D2F4-76D1-9FC45919AE20}"/>
               </a:ext>
             </a:extLst>
           </p:cNvPr>
@@ -713,7 +724,7 @@
           <p:cNvPr id="6" name="Slide Number Placeholder 5">
             <a:extLst>
               <a:ext uri="{FF2B5EF4-FFF2-40B4-BE49-F238E27FC236}">
-                <a16:creationId xmlns:a16="http://schemas.microsoft.com/office/drawing/2014/main" xmlns="" id="{98218DAB-774A-8946-32F2-E873F65ED2F2}"/>
+                <a16:creationId xmlns:a16="http://schemas.microsoft.com/office/drawing/2014/main" id="{98218DAB-774A-8946-32F2-E873F65ED2F2}"/>
               </a:ext>
             </a:extLst>
           </p:cNvPr>
@@ -772,7 +783,7 @@
           <p:cNvPr id="2" name="Title 1">
             <a:extLst>
               <a:ext uri="{FF2B5EF4-FFF2-40B4-BE49-F238E27FC236}">
-                <a16:creationId xmlns:a16="http://schemas.microsoft.com/office/drawing/2014/main" xmlns="" id="{B6A5929D-DA4F-4811-139C-A852FD1AB3E9}"/>
+                <a16:creationId xmlns:a16="http://schemas.microsoft.com/office/drawing/2014/main" id="{B6A5929D-DA4F-4811-139C-A852FD1AB3E9}"/>
               </a:ext>
             </a:extLst>
           </p:cNvPr>
@@ -801,7 +812,7 @@
           <p:cNvPr id="3" name="Content Placeholder 2">
             <a:extLst>
               <a:ext uri="{FF2B5EF4-FFF2-40B4-BE49-F238E27FC236}">
-                <a16:creationId xmlns:a16="http://schemas.microsoft.com/office/drawing/2014/main" xmlns="" id="{3DA08FA2-A773-3018-775F-9577BA0492A8}"/>
+                <a16:creationId xmlns:a16="http://schemas.microsoft.com/office/drawing/2014/main" id="{3DA08FA2-A773-3018-775F-9577BA0492A8}"/>
               </a:ext>
             </a:extLst>
           </p:cNvPr>
@@ -859,7 +870,7 @@
           <p:cNvPr id="4" name="Date Placeholder 3">
             <a:extLst>
               <a:ext uri="{FF2B5EF4-FFF2-40B4-BE49-F238E27FC236}">
-                <a16:creationId xmlns:a16="http://schemas.microsoft.com/office/drawing/2014/main" xmlns="" id="{712C63D5-7279-F446-5265-FFFA958AB35C}"/>
+                <a16:creationId xmlns:a16="http://schemas.microsoft.com/office/drawing/2014/main" id="{712C63D5-7279-F446-5265-FFFA958AB35C}"/>
               </a:ext>
             </a:extLst>
           </p:cNvPr>
@@ -888,7 +899,7 @@
           <p:cNvPr id="5" name="Footer Placeholder 4">
             <a:extLst>
               <a:ext uri="{FF2B5EF4-FFF2-40B4-BE49-F238E27FC236}">
-                <a16:creationId xmlns:a16="http://schemas.microsoft.com/office/drawing/2014/main" xmlns="" id="{DF54F0E5-1D4C-12A5-A08C-F378B2E1FA19}"/>
+                <a16:creationId xmlns:a16="http://schemas.microsoft.com/office/drawing/2014/main" id="{DF54F0E5-1D4C-12A5-A08C-F378B2E1FA19}"/>
               </a:ext>
             </a:extLst>
           </p:cNvPr>
@@ -913,7 +924,7 @@
           <p:cNvPr id="6" name="Slide Number Placeholder 5">
             <a:extLst>
               <a:ext uri="{FF2B5EF4-FFF2-40B4-BE49-F238E27FC236}">
-                <a16:creationId xmlns:a16="http://schemas.microsoft.com/office/drawing/2014/main" xmlns="" id="{B0429D6F-A48C-31E3-89BF-E7173AA94932}"/>
+                <a16:creationId xmlns:a16="http://schemas.microsoft.com/office/drawing/2014/main" id="{B0429D6F-A48C-31E3-89BF-E7173AA94932}"/>
               </a:ext>
             </a:extLst>
           </p:cNvPr>
@@ -972,7 +983,7 @@
           <p:cNvPr id="2" name="Title 1">
             <a:extLst>
               <a:ext uri="{FF2B5EF4-FFF2-40B4-BE49-F238E27FC236}">
-                <a16:creationId xmlns:a16="http://schemas.microsoft.com/office/drawing/2014/main" xmlns="" id="{352CAAB7-4828-FBBF-4C53-E1CA4A5E2470}"/>
+                <a16:creationId xmlns:a16="http://schemas.microsoft.com/office/drawing/2014/main" id="{352CAAB7-4828-FBBF-4C53-E1CA4A5E2470}"/>
               </a:ext>
             </a:extLst>
           </p:cNvPr>
@@ -1010,7 +1021,7 @@
           <p:cNvPr id="3" name="Text Placeholder 2">
             <a:extLst>
               <a:ext uri="{FF2B5EF4-FFF2-40B4-BE49-F238E27FC236}">
-                <a16:creationId xmlns:a16="http://schemas.microsoft.com/office/drawing/2014/main" xmlns="" id="{E7B321DC-AE3B-76C6-EBA3-C012F122F2E0}"/>
+                <a16:creationId xmlns:a16="http://schemas.microsoft.com/office/drawing/2014/main" id="{E7B321DC-AE3B-76C6-EBA3-C012F122F2E0}"/>
               </a:ext>
             </a:extLst>
           </p:cNvPr>
@@ -1135,7 +1146,7 @@
           <p:cNvPr id="4" name="Date Placeholder 3">
             <a:extLst>
               <a:ext uri="{FF2B5EF4-FFF2-40B4-BE49-F238E27FC236}">
-                <a16:creationId xmlns:a16="http://schemas.microsoft.com/office/drawing/2014/main" xmlns="" id="{E26F7B09-38E7-62AE-2F88-2802055C8DAC}"/>
+                <a16:creationId xmlns:a16="http://schemas.microsoft.com/office/drawing/2014/main" id="{E26F7B09-38E7-62AE-2F88-2802055C8DAC}"/>
               </a:ext>
             </a:extLst>
           </p:cNvPr>
@@ -1164,7 +1175,7 @@
           <p:cNvPr id="5" name="Footer Placeholder 4">
             <a:extLst>
               <a:ext uri="{FF2B5EF4-FFF2-40B4-BE49-F238E27FC236}">
-                <a16:creationId xmlns:a16="http://schemas.microsoft.com/office/drawing/2014/main" xmlns="" id="{2BC69989-95C2-40EB-B37D-6DABB89860A7}"/>
+                <a16:creationId xmlns:a16="http://schemas.microsoft.com/office/drawing/2014/main" id="{2BC69989-95C2-40EB-B37D-6DABB89860A7}"/>
               </a:ext>
             </a:extLst>
           </p:cNvPr>
@@ -1189,7 +1200,7 @@
           <p:cNvPr id="6" name="Slide Number Placeholder 5">
             <a:extLst>
               <a:ext uri="{FF2B5EF4-FFF2-40B4-BE49-F238E27FC236}">
-                <a16:creationId xmlns:a16="http://schemas.microsoft.com/office/drawing/2014/main" xmlns="" id="{AE5CEFC2-7092-4F63-1F59-8A31D34E0FB0}"/>
+                <a16:creationId xmlns:a16="http://schemas.microsoft.com/office/drawing/2014/main" id="{AE5CEFC2-7092-4F63-1F59-8A31D34E0FB0}"/>
               </a:ext>
             </a:extLst>
           </p:cNvPr>
@@ -1248,7 +1259,7 @@
           <p:cNvPr id="2" name="Title 1">
             <a:extLst>
               <a:ext uri="{FF2B5EF4-FFF2-40B4-BE49-F238E27FC236}">
-                <a16:creationId xmlns:a16="http://schemas.microsoft.com/office/drawing/2014/main" xmlns="" id="{CBA94114-D612-0BCC-8C23-21A723F3378E}"/>
+                <a16:creationId xmlns:a16="http://schemas.microsoft.com/office/drawing/2014/main" id="{CBA94114-D612-0BCC-8C23-21A723F3378E}"/>
               </a:ext>
             </a:extLst>
           </p:cNvPr>
@@ -1277,7 +1288,7 @@
           <p:cNvPr id="3" name="Content Placeholder 2">
             <a:extLst>
               <a:ext uri="{FF2B5EF4-FFF2-40B4-BE49-F238E27FC236}">
-                <a16:creationId xmlns:a16="http://schemas.microsoft.com/office/drawing/2014/main" xmlns="" id="{81DD15C2-4CBB-BE0C-74B5-9DFC20C09A18}"/>
+                <a16:creationId xmlns:a16="http://schemas.microsoft.com/office/drawing/2014/main" id="{81DD15C2-4CBB-BE0C-74B5-9DFC20C09A18}"/>
               </a:ext>
             </a:extLst>
           </p:cNvPr>
@@ -1340,7 +1351,7 @@
           <p:cNvPr id="4" name="Content Placeholder 3">
             <a:extLst>
               <a:ext uri="{FF2B5EF4-FFF2-40B4-BE49-F238E27FC236}">
-                <a16:creationId xmlns:a16="http://schemas.microsoft.com/office/drawing/2014/main" xmlns="" id="{CCA7158E-242F-EA2E-7F08-B7BEEF398DD8}"/>
+                <a16:creationId xmlns:a16="http://schemas.microsoft.com/office/drawing/2014/main" id="{CCA7158E-242F-EA2E-7F08-B7BEEF398DD8}"/>
               </a:ext>
             </a:extLst>
           </p:cNvPr>
@@ -1403,7 +1414,7 @@
           <p:cNvPr id="5" name="Date Placeholder 4">
             <a:extLst>
               <a:ext uri="{FF2B5EF4-FFF2-40B4-BE49-F238E27FC236}">
-                <a16:creationId xmlns:a16="http://schemas.microsoft.com/office/drawing/2014/main" xmlns="" id="{4BAF0AFB-C047-EC07-3BDB-BB464E634926}"/>
+                <a16:creationId xmlns:a16="http://schemas.microsoft.com/office/drawing/2014/main" id="{4BAF0AFB-C047-EC07-3BDB-BB464E634926}"/>
               </a:ext>
             </a:extLst>
           </p:cNvPr>
@@ -1432,7 +1443,7 @@
           <p:cNvPr id="6" name="Footer Placeholder 5">
             <a:extLst>
               <a:ext uri="{FF2B5EF4-FFF2-40B4-BE49-F238E27FC236}">
-                <a16:creationId xmlns:a16="http://schemas.microsoft.com/office/drawing/2014/main" xmlns="" id="{81E8D587-7E9F-A3D6-09C9-9BB070101753}"/>
+                <a16:creationId xmlns:a16="http://schemas.microsoft.com/office/drawing/2014/main" id="{81E8D587-7E9F-A3D6-09C9-9BB070101753}"/>
               </a:ext>
             </a:extLst>
           </p:cNvPr>
@@ -1457,7 +1468,7 @@
           <p:cNvPr id="7" name="Slide Number Placeholder 6">
             <a:extLst>
               <a:ext uri="{FF2B5EF4-FFF2-40B4-BE49-F238E27FC236}">
-                <a16:creationId xmlns:a16="http://schemas.microsoft.com/office/drawing/2014/main" xmlns="" id="{381E8164-43A0-9D03-CBF0-8698D676A72A}"/>
+                <a16:creationId xmlns:a16="http://schemas.microsoft.com/office/drawing/2014/main" id="{381E8164-43A0-9D03-CBF0-8698D676A72A}"/>
               </a:ext>
             </a:extLst>
           </p:cNvPr>
@@ -1516,7 +1527,7 @@
           <p:cNvPr id="2" name="Title 1">
             <a:extLst>
               <a:ext uri="{FF2B5EF4-FFF2-40B4-BE49-F238E27FC236}">
-                <a16:creationId xmlns:a16="http://schemas.microsoft.com/office/drawing/2014/main" xmlns="" id="{79003291-14CD-AEBF-BA34-78058FA45C01}"/>
+                <a16:creationId xmlns:a16="http://schemas.microsoft.com/office/drawing/2014/main" id="{79003291-14CD-AEBF-BA34-78058FA45C01}"/>
               </a:ext>
             </a:extLst>
           </p:cNvPr>
@@ -1550,7 +1561,7 @@
           <p:cNvPr id="3" name="Text Placeholder 2">
             <a:extLst>
               <a:ext uri="{FF2B5EF4-FFF2-40B4-BE49-F238E27FC236}">
-                <a16:creationId xmlns:a16="http://schemas.microsoft.com/office/drawing/2014/main" xmlns="" id="{45AD3CC2-A6C3-8EF8-3A1A-B7BACC884BFD}"/>
+                <a16:creationId xmlns:a16="http://schemas.microsoft.com/office/drawing/2014/main" id="{45AD3CC2-A6C3-8EF8-3A1A-B7BACC884BFD}"/>
               </a:ext>
             </a:extLst>
           </p:cNvPr>
@@ -1621,7 +1632,7 @@
           <p:cNvPr id="4" name="Content Placeholder 3">
             <a:extLst>
               <a:ext uri="{FF2B5EF4-FFF2-40B4-BE49-F238E27FC236}">
-                <a16:creationId xmlns:a16="http://schemas.microsoft.com/office/drawing/2014/main" xmlns="" id="{13807CBA-485A-58BD-3CB8-D0E8FF4060A5}"/>
+                <a16:creationId xmlns:a16="http://schemas.microsoft.com/office/drawing/2014/main" id="{13807CBA-485A-58BD-3CB8-D0E8FF4060A5}"/>
               </a:ext>
             </a:extLst>
           </p:cNvPr>
@@ -1684,7 +1695,7 @@
           <p:cNvPr id="5" name="Text Placeholder 4">
             <a:extLst>
               <a:ext uri="{FF2B5EF4-FFF2-40B4-BE49-F238E27FC236}">
-                <a16:creationId xmlns:a16="http://schemas.microsoft.com/office/drawing/2014/main" xmlns="" id="{42211AE5-B7F7-FFA2-BA4B-A6C9EC865C4D}"/>
+                <a16:creationId xmlns:a16="http://schemas.microsoft.com/office/drawing/2014/main" id="{42211AE5-B7F7-FFA2-BA4B-A6C9EC865C4D}"/>
               </a:ext>
             </a:extLst>
           </p:cNvPr>
@@ -1755,7 +1766,7 @@
           <p:cNvPr id="6" name="Content Placeholder 5">
             <a:extLst>
               <a:ext uri="{FF2B5EF4-FFF2-40B4-BE49-F238E27FC236}">
-                <a16:creationId xmlns:a16="http://schemas.microsoft.com/office/drawing/2014/main" xmlns="" id="{B87862D0-208E-9EFA-40FE-4D846C46E18B}"/>
+                <a16:creationId xmlns:a16="http://schemas.microsoft.com/office/drawing/2014/main" id="{B87862D0-208E-9EFA-40FE-4D846C46E18B}"/>
               </a:ext>
             </a:extLst>
           </p:cNvPr>
@@ -1818,7 +1829,7 @@
           <p:cNvPr id="7" name="Date Placeholder 6">
             <a:extLst>
               <a:ext uri="{FF2B5EF4-FFF2-40B4-BE49-F238E27FC236}">
-                <a16:creationId xmlns:a16="http://schemas.microsoft.com/office/drawing/2014/main" xmlns="" id="{D04A95C5-146F-7341-784D-C732D8E6D83A}"/>
+                <a16:creationId xmlns:a16="http://schemas.microsoft.com/office/drawing/2014/main" id="{D04A95C5-146F-7341-784D-C732D8E6D83A}"/>
               </a:ext>
             </a:extLst>
           </p:cNvPr>
@@ -1847,7 +1858,7 @@
           <p:cNvPr id="8" name="Footer Placeholder 7">
             <a:extLst>
               <a:ext uri="{FF2B5EF4-FFF2-40B4-BE49-F238E27FC236}">
-                <a16:creationId xmlns:a16="http://schemas.microsoft.com/office/drawing/2014/main" xmlns="" id="{1DF2F753-3A22-7ADD-8C32-27B77A8DCFF4}"/>
+                <a16:creationId xmlns:a16="http://schemas.microsoft.com/office/drawing/2014/main" id="{1DF2F753-3A22-7ADD-8C32-27B77A8DCFF4}"/>
               </a:ext>
             </a:extLst>
           </p:cNvPr>
@@ -1872,7 +1883,7 @@
           <p:cNvPr id="9" name="Slide Number Placeholder 8">
             <a:extLst>
               <a:ext uri="{FF2B5EF4-FFF2-40B4-BE49-F238E27FC236}">
-                <a16:creationId xmlns:a16="http://schemas.microsoft.com/office/drawing/2014/main" xmlns="" id="{D8ADA724-9975-F786-542C-1DDB0EF45FE7}"/>
+                <a16:creationId xmlns:a16="http://schemas.microsoft.com/office/drawing/2014/main" id="{D8ADA724-9975-F786-542C-1DDB0EF45FE7}"/>
               </a:ext>
             </a:extLst>
           </p:cNvPr>
@@ -1931,7 +1942,7 @@
           <p:cNvPr id="2" name="Title 1">
             <a:extLst>
               <a:ext uri="{FF2B5EF4-FFF2-40B4-BE49-F238E27FC236}">
-                <a16:creationId xmlns:a16="http://schemas.microsoft.com/office/drawing/2014/main" xmlns="" id="{FA927BE0-8BE7-48C0-75E8-CCA887BD61D3}"/>
+                <a16:creationId xmlns:a16="http://schemas.microsoft.com/office/drawing/2014/main" id="{FA927BE0-8BE7-48C0-75E8-CCA887BD61D3}"/>
               </a:ext>
             </a:extLst>
           </p:cNvPr>
@@ -1960,7 +1971,7 @@
           <p:cNvPr id="3" name="Date Placeholder 2">
             <a:extLst>
               <a:ext uri="{FF2B5EF4-FFF2-40B4-BE49-F238E27FC236}">
-                <a16:creationId xmlns:a16="http://schemas.microsoft.com/office/drawing/2014/main" xmlns="" id="{345A2703-56A0-3DA1-01DB-B58FAE0C8630}"/>
+                <a16:creationId xmlns:a16="http://schemas.microsoft.com/office/drawing/2014/main" id="{345A2703-56A0-3DA1-01DB-B58FAE0C8630}"/>
               </a:ext>
             </a:extLst>
           </p:cNvPr>
@@ -1989,7 +2000,7 @@
           <p:cNvPr id="4" name="Footer Placeholder 3">
             <a:extLst>
               <a:ext uri="{FF2B5EF4-FFF2-40B4-BE49-F238E27FC236}">
-                <a16:creationId xmlns:a16="http://schemas.microsoft.com/office/drawing/2014/main" xmlns="" id="{F8B16DEB-F45F-8640-D689-5968D0B0D3BE}"/>
+                <a16:creationId xmlns:a16="http://schemas.microsoft.com/office/drawing/2014/main" id="{F8B16DEB-F45F-8640-D689-5968D0B0D3BE}"/>
               </a:ext>
             </a:extLst>
           </p:cNvPr>
@@ -2014,7 +2025,7 @@
           <p:cNvPr id="5" name="Slide Number Placeholder 4">
             <a:extLst>
               <a:ext uri="{FF2B5EF4-FFF2-40B4-BE49-F238E27FC236}">
-                <a16:creationId xmlns:a16="http://schemas.microsoft.com/office/drawing/2014/main" xmlns="" id="{A844B661-9A9E-DD64-CD27-8261371DC49A}"/>
+                <a16:creationId xmlns:a16="http://schemas.microsoft.com/office/drawing/2014/main" id="{A844B661-9A9E-DD64-CD27-8261371DC49A}"/>
               </a:ext>
             </a:extLst>
           </p:cNvPr>
@@ -2073,7 +2084,7 @@
           <p:cNvPr id="2" name="Date Placeholder 1">
             <a:extLst>
               <a:ext uri="{FF2B5EF4-FFF2-40B4-BE49-F238E27FC236}">
-                <a16:creationId xmlns:a16="http://schemas.microsoft.com/office/drawing/2014/main" xmlns="" id="{E318C3EE-55F1-6051-A205-8D19FECB178B}"/>
+                <a16:creationId xmlns:a16="http://schemas.microsoft.com/office/drawing/2014/main" id="{E318C3EE-55F1-6051-A205-8D19FECB178B}"/>
               </a:ext>
             </a:extLst>
           </p:cNvPr>
@@ -2102,7 +2113,7 @@
           <p:cNvPr id="3" name="Footer Placeholder 2">
             <a:extLst>
               <a:ext uri="{FF2B5EF4-FFF2-40B4-BE49-F238E27FC236}">
-                <a16:creationId xmlns:a16="http://schemas.microsoft.com/office/drawing/2014/main" xmlns="" id="{030077A9-BF1C-A3B5-72CE-2C88A9CBFA40}"/>
+                <a16:creationId xmlns:a16="http://schemas.microsoft.com/office/drawing/2014/main" id="{030077A9-BF1C-A3B5-72CE-2C88A9CBFA40}"/>
               </a:ext>
             </a:extLst>
           </p:cNvPr>
@@ -2127,7 +2138,7 @@
           <p:cNvPr id="4" name="Slide Number Placeholder 3">
             <a:extLst>
               <a:ext uri="{FF2B5EF4-FFF2-40B4-BE49-F238E27FC236}">
-                <a16:creationId xmlns:a16="http://schemas.microsoft.com/office/drawing/2014/main" xmlns="" id="{04EF00F2-A6C4-A4E2-FCD2-13C4D282F145}"/>
+                <a16:creationId xmlns:a16="http://schemas.microsoft.com/office/drawing/2014/main" id="{04EF00F2-A6C4-A4E2-FCD2-13C4D282F145}"/>
               </a:ext>
             </a:extLst>
           </p:cNvPr>
@@ -2186,7 +2197,7 @@
           <p:cNvPr id="2" name="Title 1">
             <a:extLst>
               <a:ext uri="{FF2B5EF4-FFF2-40B4-BE49-F238E27FC236}">
-                <a16:creationId xmlns:a16="http://schemas.microsoft.com/office/drawing/2014/main" xmlns="" id="{3FBB9F4C-4460-ED6F-D962-7E41CED41F57}"/>
+                <a16:creationId xmlns:a16="http://schemas.microsoft.com/office/drawing/2014/main" id="{3FBB9F4C-4460-ED6F-D962-7E41CED41F57}"/>
               </a:ext>
             </a:extLst>
           </p:cNvPr>
@@ -2224,7 +2235,7 @@
           <p:cNvPr id="3" name="Content Placeholder 2">
             <a:extLst>
               <a:ext uri="{FF2B5EF4-FFF2-40B4-BE49-F238E27FC236}">
-                <a16:creationId xmlns:a16="http://schemas.microsoft.com/office/drawing/2014/main" xmlns="" id="{3211D9D5-4DF3-522F-6590-E34AFD8C6EDB}"/>
+                <a16:creationId xmlns:a16="http://schemas.microsoft.com/office/drawing/2014/main" id="{3211D9D5-4DF3-522F-6590-E34AFD8C6EDB}"/>
               </a:ext>
             </a:extLst>
           </p:cNvPr>
@@ -2315,7 +2326,7 @@
           <p:cNvPr id="4" name="Text Placeholder 3">
             <a:extLst>
               <a:ext uri="{FF2B5EF4-FFF2-40B4-BE49-F238E27FC236}">
-                <a16:creationId xmlns:a16="http://schemas.microsoft.com/office/drawing/2014/main" xmlns="" id="{5AC8C686-7BB5-553C-0FDD-2E0C2F2AC55F}"/>
+                <a16:creationId xmlns:a16="http://schemas.microsoft.com/office/drawing/2014/main" id="{5AC8C686-7BB5-553C-0FDD-2E0C2F2AC55F}"/>
               </a:ext>
             </a:extLst>
           </p:cNvPr>
@@ -2386,7 +2397,7 @@
           <p:cNvPr id="5" name="Date Placeholder 4">
             <a:extLst>
               <a:ext uri="{FF2B5EF4-FFF2-40B4-BE49-F238E27FC236}">
-                <a16:creationId xmlns:a16="http://schemas.microsoft.com/office/drawing/2014/main" xmlns="" id="{9FDFEFC6-5C27-3297-FACC-A8733AAA1631}"/>
+                <a16:creationId xmlns:a16="http://schemas.microsoft.com/office/drawing/2014/main" id="{9FDFEFC6-5C27-3297-FACC-A8733AAA1631}"/>
               </a:ext>
             </a:extLst>
           </p:cNvPr>
@@ -2415,7 +2426,7 @@
           <p:cNvPr id="6" name="Footer Placeholder 5">
             <a:extLst>
               <a:ext uri="{FF2B5EF4-FFF2-40B4-BE49-F238E27FC236}">
-                <a16:creationId xmlns:a16="http://schemas.microsoft.com/office/drawing/2014/main" xmlns="" id="{5BE521B2-B29F-794A-707B-2CBD1156A134}"/>
+                <a16:creationId xmlns:a16="http://schemas.microsoft.com/office/drawing/2014/main" id="{5BE521B2-B29F-794A-707B-2CBD1156A134}"/>
               </a:ext>
             </a:extLst>
           </p:cNvPr>
@@ -2440,7 +2451,7 @@
           <p:cNvPr id="7" name="Slide Number Placeholder 6">
             <a:extLst>
               <a:ext uri="{FF2B5EF4-FFF2-40B4-BE49-F238E27FC236}">
-                <a16:creationId xmlns:a16="http://schemas.microsoft.com/office/drawing/2014/main" xmlns="" id="{3B0550DA-7216-54F6-8CDF-5845F46EF749}"/>
+                <a16:creationId xmlns:a16="http://schemas.microsoft.com/office/drawing/2014/main" id="{3B0550DA-7216-54F6-8CDF-5845F46EF749}"/>
               </a:ext>
             </a:extLst>
           </p:cNvPr>
@@ -2499,7 +2510,7 @@
           <p:cNvPr id="2" name="Title 1">
             <a:extLst>
               <a:ext uri="{FF2B5EF4-FFF2-40B4-BE49-F238E27FC236}">
-                <a16:creationId xmlns:a16="http://schemas.microsoft.com/office/drawing/2014/main" xmlns="" id="{88D2CE9A-B1C5-4918-CFAC-22FF9FA30516}"/>
+                <a16:creationId xmlns:a16="http://schemas.microsoft.com/office/drawing/2014/main" id="{88D2CE9A-B1C5-4918-CFAC-22FF9FA30516}"/>
               </a:ext>
             </a:extLst>
           </p:cNvPr>
@@ -2537,7 +2548,7 @@
           <p:cNvPr id="3" name="Picture Placeholder 2">
             <a:extLst>
               <a:ext uri="{FF2B5EF4-FFF2-40B4-BE49-F238E27FC236}">
-                <a16:creationId xmlns:a16="http://schemas.microsoft.com/office/drawing/2014/main" xmlns="" id="{E4A0CB53-2495-E779-D228-CB84FC0BDD67}"/>
+                <a16:creationId xmlns:a16="http://schemas.microsoft.com/office/drawing/2014/main" id="{E4A0CB53-2495-E779-D228-CB84FC0BDD67}"/>
               </a:ext>
             </a:extLst>
           </p:cNvPr>
@@ -2604,7 +2615,7 @@
           <p:cNvPr id="4" name="Text Placeholder 3">
             <a:extLst>
               <a:ext uri="{FF2B5EF4-FFF2-40B4-BE49-F238E27FC236}">
-                <a16:creationId xmlns:a16="http://schemas.microsoft.com/office/drawing/2014/main" xmlns="" id="{59C625D0-7D9E-3550-F2F7-F6F88D2A905E}"/>
+                <a16:creationId xmlns:a16="http://schemas.microsoft.com/office/drawing/2014/main" id="{59C625D0-7D9E-3550-F2F7-F6F88D2A905E}"/>
               </a:ext>
             </a:extLst>
           </p:cNvPr>
@@ -2675,7 +2686,7 @@
           <p:cNvPr id="5" name="Date Placeholder 4">
             <a:extLst>
               <a:ext uri="{FF2B5EF4-FFF2-40B4-BE49-F238E27FC236}">
-                <a16:creationId xmlns:a16="http://schemas.microsoft.com/office/drawing/2014/main" xmlns="" id="{53F56603-D2EE-02FF-A7EB-F27D5329E06A}"/>
+                <a16:creationId xmlns:a16="http://schemas.microsoft.com/office/drawing/2014/main" id="{53F56603-D2EE-02FF-A7EB-F27D5329E06A}"/>
               </a:ext>
             </a:extLst>
           </p:cNvPr>
@@ -2704,7 +2715,7 @@
           <p:cNvPr id="6" name="Footer Placeholder 5">
             <a:extLst>
               <a:ext uri="{FF2B5EF4-FFF2-40B4-BE49-F238E27FC236}">
-                <a16:creationId xmlns:a16="http://schemas.microsoft.com/office/drawing/2014/main" xmlns="" id="{DDF062B2-9E73-5A09-A1F2-6F1E399EF39A}"/>
+                <a16:creationId xmlns:a16="http://schemas.microsoft.com/office/drawing/2014/main" id="{DDF062B2-9E73-5A09-A1F2-6F1E399EF39A}"/>
               </a:ext>
             </a:extLst>
           </p:cNvPr>
@@ -2729,7 +2740,7 @@
           <p:cNvPr id="7" name="Slide Number Placeholder 6">
             <a:extLst>
               <a:ext uri="{FF2B5EF4-FFF2-40B4-BE49-F238E27FC236}">
-                <a16:creationId xmlns:a16="http://schemas.microsoft.com/office/drawing/2014/main" xmlns="" id="{F271B96E-6150-820B-0DEE-5FAFEF976CC0}"/>
+                <a16:creationId xmlns:a16="http://schemas.microsoft.com/office/drawing/2014/main" id="{F271B96E-6150-820B-0DEE-5FAFEF976CC0}"/>
               </a:ext>
             </a:extLst>
           </p:cNvPr>
@@ -2793,7 +2804,7 @@
           <p:cNvPr id="2" name="Title Placeholder 1">
             <a:extLst>
               <a:ext uri="{FF2B5EF4-FFF2-40B4-BE49-F238E27FC236}">
-                <a16:creationId xmlns:a16="http://schemas.microsoft.com/office/drawing/2014/main" xmlns="" id="{90606C4C-AF2C-C519-BD75-C5665EFE6324}"/>
+                <a16:creationId xmlns:a16="http://schemas.microsoft.com/office/drawing/2014/main" id="{90606C4C-AF2C-C519-BD75-C5665EFE6324}"/>
               </a:ext>
             </a:extLst>
           </p:cNvPr>
@@ -2832,7 +2843,7 @@
           <p:cNvPr id="3" name="Text Placeholder 2">
             <a:extLst>
               <a:ext uri="{FF2B5EF4-FFF2-40B4-BE49-F238E27FC236}">
-                <a16:creationId xmlns:a16="http://schemas.microsoft.com/office/drawing/2014/main" xmlns="" id="{80C04E68-DBD4-DF0D-71A8-96329FEA7728}"/>
+                <a16:creationId xmlns:a16="http://schemas.microsoft.com/office/drawing/2014/main" id="{80C04E68-DBD4-DF0D-71A8-96329FEA7728}"/>
               </a:ext>
             </a:extLst>
           </p:cNvPr>
@@ -2900,7 +2911,7 @@
           <p:cNvPr id="4" name="Date Placeholder 3">
             <a:extLst>
               <a:ext uri="{FF2B5EF4-FFF2-40B4-BE49-F238E27FC236}">
-                <a16:creationId xmlns:a16="http://schemas.microsoft.com/office/drawing/2014/main" xmlns="" id="{690C212D-1393-F035-D32E-C4E922508223}"/>
+                <a16:creationId xmlns:a16="http://schemas.microsoft.com/office/drawing/2014/main" id="{690C212D-1393-F035-D32E-C4E922508223}"/>
               </a:ext>
             </a:extLst>
           </p:cNvPr>
@@ -2947,7 +2958,7 @@
           <p:cNvPr id="5" name="Footer Placeholder 4">
             <a:extLst>
               <a:ext uri="{FF2B5EF4-FFF2-40B4-BE49-F238E27FC236}">
-                <a16:creationId xmlns:a16="http://schemas.microsoft.com/office/drawing/2014/main" xmlns="" id="{4211B10C-CA84-8321-04FC-8F6E152FC35F}"/>
+                <a16:creationId xmlns:a16="http://schemas.microsoft.com/office/drawing/2014/main" id="{4211B10C-CA84-8321-04FC-8F6E152FC35F}"/>
               </a:ext>
             </a:extLst>
           </p:cNvPr>
@@ -2990,7 +3001,7 @@
           <p:cNvPr id="6" name="Slide Number Placeholder 5">
             <a:extLst>
               <a:ext uri="{FF2B5EF4-FFF2-40B4-BE49-F238E27FC236}">
-                <a16:creationId xmlns:a16="http://schemas.microsoft.com/office/drawing/2014/main" xmlns="" id="{0701126F-7D32-6B02-A6B4-9D8DDFE7FBF2}"/>
+                <a16:creationId xmlns:a16="http://schemas.microsoft.com/office/drawing/2014/main" id="{0701126F-7D32-6B02-A6B4-9D8DDFE7FBF2}"/>
               </a:ext>
             </a:extLst>
           </p:cNvPr>
@@ -3358,7 +3369,7 @@
           <p:cNvPr id="2" name="Title 1">
             <a:extLst>
               <a:ext uri="{FF2B5EF4-FFF2-40B4-BE49-F238E27FC236}">
-                <a16:creationId xmlns:a16="http://schemas.microsoft.com/office/drawing/2014/main" xmlns="" id="{782289A6-01CA-BF22-92D3-64EFBC5ACB7E}"/>
+                <a16:creationId xmlns:a16="http://schemas.microsoft.com/office/drawing/2014/main" id="{782289A6-01CA-BF22-92D3-64EFBC5ACB7E}"/>
               </a:ext>
             </a:extLst>
           </p:cNvPr>
@@ -3398,7 +3409,7 @@
           <p:cNvPr id="5" name="Picture 4">
             <a:extLst>
               <a:ext uri="{FF2B5EF4-FFF2-40B4-BE49-F238E27FC236}">
-                <a16:creationId xmlns:a16="http://schemas.microsoft.com/office/drawing/2014/main" xmlns="" id="{123D4144-222B-1F5F-42FD-39F446A071AD}"/>
+                <a16:creationId xmlns:a16="http://schemas.microsoft.com/office/drawing/2014/main" id="{123D4144-222B-1F5F-42FD-39F446A071AD}"/>
               </a:ext>
             </a:extLst>
           </p:cNvPr>
@@ -3439,13 +3450,6 @@
   <p:clrMapOvr>
     <a:masterClrMapping/>
   </p:clrMapOvr>
-  <p:timing>
-    <p:tnLst>
-      <p:par>
-        <p:cTn id="1" dur="indefinite" restart="never" nodeType="tmRoot"/>
-      </p:par>
-    </p:tnLst>
-  </p:timing>
 </p:sld>
 </file>
 
@@ -3471,7 +3475,7 @@
           <p:cNvPr id="2" name="Title 1">
             <a:extLst>
               <a:ext uri="{FF2B5EF4-FFF2-40B4-BE49-F238E27FC236}">
-                <a16:creationId xmlns:a16="http://schemas.microsoft.com/office/drawing/2014/main" xmlns="" id="{6C28586A-885E-4CAA-18D3-4C106CB2E35A}"/>
+                <a16:creationId xmlns:a16="http://schemas.microsoft.com/office/drawing/2014/main" id="{6C28586A-885E-4CAA-18D3-4C106CB2E35A}"/>
               </a:ext>
             </a:extLst>
           </p:cNvPr>
@@ -3512,7 +3516,7 @@
           <p:cNvPr id="4" name="Картина 8">
             <a:extLst>
               <a:ext uri="{FF2B5EF4-FFF2-40B4-BE49-F238E27FC236}">
-                <a16:creationId xmlns:a16="http://schemas.microsoft.com/office/drawing/2014/main" xmlns="" id="{FCD0ADC1-BE00-00C4-98F7-FEADC2C2DA0C}"/>
+                <a16:creationId xmlns:a16="http://schemas.microsoft.com/office/drawing/2014/main" id="{FCD0ADC1-BE00-00C4-98F7-FEADC2C2DA0C}"/>
               </a:ext>
             </a:extLst>
           </p:cNvPr>
@@ -3566,7 +3570,7 @@
           <p:cNvPr id="5" name="Картина 10">
             <a:extLst>
               <a:ext uri="{FF2B5EF4-FFF2-40B4-BE49-F238E27FC236}">
-                <a16:creationId xmlns:a16="http://schemas.microsoft.com/office/drawing/2014/main" xmlns="" id="{51C04D02-621D-BDE0-2E16-905CA8886ACD}"/>
+                <a16:creationId xmlns:a16="http://schemas.microsoft.com/office/drawing/2014/main" id="{51C04D02-621D-BDE0-2E16-905CA8886ACD}"/>
               </a:ext>
             </a:extLst>
           </p:cNvPr>
@@ -3626,7 +3630,7 @@
           <p:cNvPr id="6" name="Контейнер за съдържание 12">
             <a:extLst>
               <a:ext uri="{FF2B5EF4-FFF2-40B4-BE49-F238E27FC236}">
-                <a16:creationId xmlns:a16="http://schemas.microsoft.com/office/drawing/2014/main" xmlns="" id="{0CD4096F-A0CB-6C60-482A-B53717859CAA}"/>
+                <a16:creationId xmlns:a16="http://schemas.microsoft.com/office/drawing/2014/main" id="{0CD4096F-A0CB-6C60-482A-B53717859CAA}"/>
               </a:ext>
             </a:extLst>
           </p:cNvPr>
@@ -3686,7 +3690,7 @@
           <p:cNvPr id="7" name="Картина 13">
             <a:extLst>
               <a:ext uri="{FF2B5EF4-FFF2-40B4-BE49-F238E27FC236}">
-                <a16:creationId xmlns:a16="http://schemas.microsoft.com/office/drawing/2014/main" xmlns="" id="{94380D5B-6149-4551-8515-433145DBDB32}"/>
+                <a16:creationId xmlns:a16="http://schemas.microsoft.com/office/drawing/2014/main" id="{94380D5B-6149-4551-8515-433145DBDB32}"/>
               </a:ext>
             </a:extLst>
           </p:cNvPr>
@@ -3746,7 +3750,7 @@
           <p:cNvPr id="8" name="Текстово поле 14">
             <a:extLst>
               <a:ext uri="{FF2B5EF4-FFF2-40B4-BE49-F238E27FC236}">
-                <a16:creationId xmlns:a16="http://schemas.microsoft.com/office/drawing/2014/main" xmlns="" id="{DBACF96E-FDDE-4B3B-2003-F381600724CE}"/>
+                <a16:creationId xmlns:a16="http://schemas.microsoft.com/office/drawing/2014/main" id="{DBACF96E-FDDE-4B3B-2003-F381600724CE}"/>
               </a:ext>
             </a:extLst>
           </p:cNvPr>
@@ -3781,12 +3785,16 @@
           <a:p>
             <a:pPr algn="ctr"/>
             <a:r>
-              <a:rPr lang="en-US" sz="2400" dirty="0">
+              <a:rPr lang="en-US" sz="2400">
                 <a:latin typeface="Yu Gothic Light" panose="020B0300000000000000" pitchFamily="34" charset="-128"/>
                 <a:ea typeface="Yu Gothic Light" panose="020B0300000000000000" pitchFamily="34" charset="-128"/>
               </a:rPr>
-              <a:t>QA Developer</a:t>
-            </a:r>
+              <a:t>QA</a:t>
+            </a:r>
+            <a:endParaRPr lang="en-US" sz="2400" dirty="0">
+              <a:latin typeface="Yu Gothic Light" panose="020B0300000000000000" pitchFamily="34" charset="-128"/>
+              <a:ea typeface="Yu Gothic Light" panose="020B0300000000000000" pitchFamily="34" charset="-128"/>
+            </a:endParaRPr>
           </a:p>
         </p:txBody>
       </p:sp>
@@ -3795,7 +3803,7 @@
           <p:cNvPr id="9" name="Текстово поле 15">
             <a:extLst>
               <a:ext uri="{FF2B5EF4-FFF2-40B4-BE49-F238E27FC236}">
-                <a16:creationId xmlns:a16="http://schemas.microsoft.com/office/drawing/2014/main" xmlns="" id="{BB7873CF-9148-AD28-5581-DC4640DEE648}"/>
+                <a16:creationId xmlns:a16="http://schemas.microsoft.com/office/drawing/2014/main" id="{BB7873CF-9148-AD28-5581-DC4640DEE648}"/>
               </a:ext>
             </a:extLst>
           </p:cNvPr>
@@ -3844,7 +3852,7 @@
           <p:cNvPr id="10" name="Текстово поле 16">
             <a:extLst>
               <a:ext uri="{FF2B5EF4-FFF2-40B4-BE49-F238E27FC236}">
-                <a16:creationId xmlns:a16="http://schemas.microsoft.com/office/drawing/2014/main" xmlns="" id="{D3BEAF52-C03E-5F1A-8A17-C0D90BD13790}"/>
+                <a16:creationId xmlns:a16="http://schemas.microsoft.com/office/drawing/2014/main" id="{D3BEAF52-C03E-5F1A-8A17-C0D90BD13790}"/>
               </a:ext>
             </a:extLst>
           </p:cNvPr>
@@ -3893,7 +3901,7 @@
           <p:cNvPr id="11" name="Текстово поле 17">
             <a:extLst>
               <a:ext uri="{FF2B5EF4-FFF2-40B4-BE49-F238E27FC236}">
-                <a16:creationId xmlns:a16="http://schemas.microsoft.com/office/drawing/2014/main" xmlns="" id="{CD74DEE4-B397-A4EC-9B8E-B07268278F53}"/>
+                <a16:creationId xmlns:a16="http://schemas.microsoft.com/office/drawing/2014/main" id="{CD74DEE4-B397-A4EC-9B8E-B07268278F53}"/>
               </a:ext>
             </a:extLst>
           </p:cNvPr>
@@ -3942,7 +3950,7 @@
           <p:cNvPr id="13" name="Picture 12">
             <a:extLst>
               <a:ext uri="{FF2B5EF4-FFF2-40B4-BE49-F238E27FC236}">
-                <a16:creationId xmlns:a16="http://schemas.microsoft.com/office/drawing/2014/main" xmlns="" id="{1F93D3B1-93A1-A7C9-553B-BD36C8592140}"/>
+                <a16:creationId xmlns:a16="http://schemas.microsoft.com/office/drawing/2014/main" id="{1F93D3B1-93A1-A7C9-553B-BD36C8592140}"/>
               </a:ext>
             </a:extLst>
           </p:cNvPr>
@@ -3977,13 +3985,6 @@
   <p:clrMapOvr>
     <a:masterClrMapping/>
   </p:clrMapOvr>
-  <p:timing>
-    <p:tnLst>
-      <p:par>
-        <p:cTn id="1" dur="indefinite" restart="never" nodeType="tmRoot"/>
-      </p:par>
-    </p:tnLst>
-  </p:timing>
 </p:sld>
 </file>
 
@@ -4009,7 +4010,7 @@
           <p:cNvPr id="2" name="Title 1">
             <a:extLst>
               <a:ext uri="{FF2B5EF4-FFF2-40B4-BE49-F238E27FC236}">
-                <a16:creationId xmlns:a16="http://schemas.microsoft.com/office/drawing/2014/main" xmlns="" id="{D414953B-5C49-468A-CBCB-337DD649E4D8}"/>
+                <a16:creationId xmlns:a16="http://schemas.microsoft.com/office/drawing/2014/main" id="{D414953B-5C49-468A-CBCB-337DD649E4D8}"/>
               </a:ext>
             </a:extLst>
           </p:cNvPr>
@@ -4045,7 +4046,7 @@
           <p:cNvPr id="17" name="Content Placeholder 16">
             <a:extLst>
               <a:ext uri="{FF2B5EF4-FFF2-40B4-BE49-F238E27FC236}">
-                <a16:creationId xmlns:a16="http://schemas.microsoft.com/office/drawing/2014/main" xmlns="" id="{D659253A-C30A-7017-D6DE-9E5850DB18F0}"/>
+                <a16:creationId xmlns:a16="http://schemas.microsoft.com/office/drawing/2014/main" id="{D659253A-C30A-7017-D6DE-9E5850DB18F0}"/>
               </a:ext>
             </a:extLst>
           </p:cNvPr>
@@ -4079,13 +4080,6 @@
   <p:clrMapOvr>
     <a:masterClrMapping/>
   </p:clrMapOvr>
-  <p:timing>
-    <p:tnLst>
-      <p:par>
-        <p:cTn id="1" dur="indefinite" restart="never" nodeType="tmRoot"/>
-      </p:par>
-    </p:tnLst>
-  </p:timing>
 </p:sld>
 </file>
 
@@ -4111,7 +4105,7 @@
           <p:cNvPr id="2" name="Title 1">
             <a:extLst>
               <a:ext uri="{FF2B5EF4-FFF2-40B4-BE49-F238E27FC236}">
-                <a16:creationId xmlns:a16="http://schemas.microsoft.com/office/drawing/2014/main" xmlns="" id="{8F8C0CBD-DE9C-AE69-58EE-8FC9848CCCC6}"/>
+                <a16:creationId xmlns:a16="http://schemas.microsoft.com/office/drawing/2014/main" id="{8F8C0CBD-DE9C-AE69-58EE-8FC9848CCCC6}"/>
               </a:ext>
             </a:extLst>
           </p:cNvPr>
@@ -4146,7 +4140,7 @@
           <p:cNvPr id="3" name="Content Placeholder 2">
             <a:extLst>
               <a:ext uri="{FF2B5EF4-FFF2-40B4-BE49-F238E27FC236}">
-                <a16:creationId xmlns:a16="http://schemas.microsoft.com/office/drawing/2014/main" xmlns="" id="{10D2056F-FA46-F6FE-0067-12E13683E36D}"/>
+                <a16:creationId xmlns:a16="http://schemas.microsoft.com/office/drawing/2014/main" id="{10D2056F-FA46-F6FE-0067-12E13683E36D}"/>
               </a:ext>
             </a:extLst>
           </p:cNvPr>
@@ -4208,7 +4202,7 @@
           <p:cNvPr id="5" name="Picture 4">
             <a:extLst>
               <a:ext uri="{FF2B5EF4-FFF2-40B4-BE49-F238E27FC236}">
-                <a16:creationId xmlns:a16="http://schemas.microsoft.com/office/drawing/2014/main" xmlns="" id="{A46FFBEF-F014-7F3C-A2E6-578144C6354F}"/>
+                <a16:creationId xmlns:a16="http://schemas.microsoft.com/office/drawing/2014/main" id="{A46FFBEF-F014-7F3C-A2E6-578144C6354F}"/>
               </a:ext>
             </a:extLst>
           </p:cNvPr>
@@ -4243,13 +4237,6 @@
   <p:clrMapOvr>
     <a:masterClrMapping/>
   </p:clrMapOvr>
-  <p:timing>
-    <p:tnLst>
-      <p:par>
-        <p:cTn id="1" dur="indefinite" restart="never" nodeType="tmRoot"/>
-      </p:par>
-    </p:tnLst>
-  </p:timing>
 </p:sld>
 </file>
 
@@ -4275,7 +4262,7 @@
           <p:cNvPr id="2" name="Title 1">
             <a:extLst>
               <a:ext uri="{FF2B5EF4-FFF2-40B4-BE49-F238E27FC236}">
-                <a16:creationId xmlns:a16="http://schemas.microsoft.com/office/drawing/2014/main" xmlns="" id="{B0D86B9A-8597-BB0B-A7AE-88A4344E052C}"/>
+                <a16:creationId xmlns:a16="http://schemas.microsoft.com/office/drawing/2014/main" id="{B0D86B9A-8597-BB0B-A7AE-88A4344E052C}"/>
               </a:ext>
             </a:extLst>
           </p:cNvPr>
@@ -4311,7 +4298,7 @@
           <p:cNvPr id="5" name="Content Placeholder 4">
             <a:extLst>
               <a:ext uri="{FF2B5EF4-FFF2-40B4-BE49-F238E27FC236}">
-                <a16:creationId xmlns:a16="http://schemas.microsoft.com/office/drawing/2014/main" xmlns="" id="{7BC2EECC-61E4-671C-9847-C33BACEC7871}"/>
+                <a16:creationId xmlns:a16="http://schemas.microsoft.com/office/drawing/2014/main" id="{7BC2EECC-61E4-671C-9847-C33BACEC7871}"/>
               </a:ext>
             </a:extLst>
           </p:cNvPr>
@@ -4340,7 +4327,7 @@
           <p:cNvPr id="7" name="Picture 6">
             <a:extLst>
               <a:ext uri="{FF2B5EF4-FFF2-40B4-BE49-F238E27FC236}">
-                <a16:creationId xmlns:a16="http://schemas.microsoft.com/office/drawing/2014/main" xmlns="" id="{10C08C4E-1265-8B5C-AEBE-E286F3497C9A}"/>
+                <a16:creationId xmlns:a16="http://schemas.microsoft.com/office/drawing/2014/main" id="{10C08C4E-1265-8B5C-AEBE-E286F3497C9A}"/>
               </a:ext>
             </a:extLst>
           </p:cNvPr>
@@ -4370,7 +4357,7 @@
           <p:cNvPr id="9" name="Picture 8">
             <a:extLst>
               <a:ext uri="{FF2B5EF4-FFF2-40B4-BE49-F238E27FC236}">
-                <a16:creationId xmlns:a16="http://schemas.microsoft.com/office/drawing/2014/main" xmlns="" id="{218CC61D-650F-906B-997B-CD12B4824F5F}"/>
+                <a16:creationId xmlns:a16="http://schemas.microsoft.com/office/drawing/2014/main" id="{218CC61D-650F-906B-997B-CD12B4824F5F}"/>
               </a:ext>
             </a:extLst>
           </p:cNvPr>
@@ -4400,7 +4387,7 @@
           <p:cNvPr id="11" name="Picture 10">
             <a:extLst>
               <a:ext uri="{FF2B5EF4-FFF2-40B4-BE49-F238E27FC236}">
-                <a16:creationId xmlns:a16="http://schemas.microsoft.com/office/drawing/2014/main" xmlns="" id="{7AF6FD15-DB45-520E-7AE0-494D0CE9F187}"/>
+                <a16:creationId xmlns:a16="http://schemas.microsoft.com/office/drawing/2014/main" id="{7AF6FD15-DB45-520E-7AE0-494D0CE9F187}"/>
               </a:ext>
             </a:extLst>
           </p:cNvPr>
@@ -4430,7 +4417,7 @@
           <p:cNvPr id="13" name="Picture 12">
             <a:extLst>
               <a:ext uri="{FF2B5EF4-FFF2-40B4-BE49-F238E27FC236}">
-                <a16:creationId xmlns:a16="http://schemas.microsoft.com/office/drawing/2014/main" xmlns="" id="{318FB293-9F5F-8D60-8EBF-258EF8CE8A34}"/>
+                <a16:creationId xmlns:a16="http://schemas.microsoft.com/office/drawing/2014/main" id="{318FB293-9F5F-8D60-8EBF-258EF8CE8A34}"/>
               </a:ext>
             </a:extLst>
           </p:cNvPr>
@@ -4460,7 +4447,7 @@
           <p:cNvPr id="15" name="Picture 14">
             <a:extLst>
               <a:ext uri="{FF2B5EF4-FFF2-40B4-BE49-F238E27FC236}">
-                <a16:creationId xmlns:a16="http://schemas.microsoft.com/office/drawing/2014/main" xmlns="" id="{0A01502F-3CC1-F58E-6CA3-885A95691519}"/>
+                <a16:creationId xmlns:a16="http://schemas.microsoft.com/office/drawing/2014/main" id="{0A01502F-3CC1-F58E-6CA3-885A95691519}"/>
               </a:ext>
             </a:extLst>
           </p:cNvPr>
@@ -4490,7 +4477,7 @@
           <p:cNvPr id="17" name="Picture 16">
             <a:extLst>
               <a:ext uri="{FF2B5EF4-FFF2-40B4-BE49-F238E27FC236}">
-                <a16:creationId xmlns:a16="http://schemas.microsoft.com/office/drawing/2014/main" xmlns="" id="{5BB1D109-7E6A-60A2-8BF6-FDF79061D096}"/>
+                <a16:creationId xmlns:a16="http://schemas.microsoft.com/office/drawing/2014/main" id="{5BB1D109-7E6A-60A2-8BF6-FDF79061D096}"/>
               </a:ext>
             </a:extLst>
           </p:cNvPr>
@@ -4520,7 +4507,7 @@
           <p:cNvPr id="8" name="Picture 7">
             <a:extLst>
               <a:ext uri="{FF2B5EF4-FFF2-40B4-BE49-F238E27FC236}">
-                <a16:creationId xmlns:a16="http://schemas.microsoft.com/office/drawing/2014/main" xmlns="" id="{5734DF3A-3864-0E69-2C01-0A7999605ADF}"/>
+                <a16:creationId xmlns:a16="http://schemas.microsoft.com/office/drawing/2014/main" id="{5734DF3A-3864-0E69-2C01-0A7999605ADF}"/>
               </a:ext>
             </a:extLst>
           </p:cNvPr>
@@ -4555,13 +4542,6 @@
   <p:clrMapOvr>
     <a:masterClrMapping/>
   </p:clrMapOvr>
-  <p:timing>
-    <p:tnLst>
-      <p:par>
-        <p:cTn id="1" dur="indefinite" restart="never" nodeType="tmRoot"/>
-      </p:par>
-    </p:tnLst>
-  </p:timing>
 </p:sld>
 </file>
 
@@ -4587,7 +4567,7 @@
           <p:cNvPr id="2" name="Title 1">
             <a:extLst>
               <a:ext uri="{FF2B5EF4-FFF2-40B4-BE49-F238E27FC236}">
-                <a16:creationId xmlns:a16="http://schemas.microsoft.com/office/drawing/2014/main" xmlns="" id="{088DD592-A959-E47D-0F78-98716B0BFAAE}"/>
+                <a16:creationId xmlns:a16="http://schemas.microsoft.com/office/drawing/2014/main" id="{088DD592-A959-E47D-0F78-98716B0BFAAE}"/>
               </a:ext>
             </a:extLst>
           </p:cNvPr>
@@ -4623,7 +4603,7 @@
           <p:cNvPr id="11" name="Content Placeholder 10">
             <a:extLst>
               <a:ext uri="{FF2B5EF4-FFF2-40B4-BE49-F238E27FC236}">
-                <a16:creationId xmlns:a16="http://schemas.microsoft.com/office/drawing/2014/main" xmlns="" id="{443ABDD9-BA3C-2CA5-3434-6BFBADDC5C82}"/>
+                <a16:creationId xmlns:a16="http://schemas.microsoft.com/office/drawing/2014/main" id="{443ABDD9-BA3C-2CA5-3434-6BFBADDC5C82}"/>
               </a:ext>
             </a:extLst>
           </p:cNvPr>
@@ -4657,13 +4637,6 @@
   <p:clrMapOvr>
     <a:masterClrMapping/>
   </p:clrMapOvr>
-  <p:timing>
-    <p:tnLst>
-      <p:par>
-        <p:cTn id="1" dur="indefinite" restart="never" nodeType="tmRoot"/>
-      </p:par>
-    </p:tnLst>
-  </p:timing>
 </p:sld>
 </file>
 
@@ -4689,7 +4662,7 @@
           <p:cNvPr id="2" name="Title 1">
             <a:extLst>
               <a:ext uri="{FF2B5EF4-FFF2-40B4-BE49-F238E27FC236}">
-                <a16:creationId xmlns:a16="http://schemas.microsoft.com/office/drawing/2014/main" xmlns="" id="{9EB4320F-452F-A8B9-40BB-77B55127C074}"/>
+                <a16:creationId xmlns:a16="http://schemas.microsoft.com/office/drawing/2014/main" id="{9EB4320F-452F-A8B9-40BB-77B55127C074}"/>
               </a:ext>
             </a:extLst>
           </p:cNvPr>
@@ -4725,7 +4698,7 @@
           <p:cNvPr id="7" name="Content Placeholder 6">
             <a:extLst>
               <a:ext uri="{FF2B5EF4-FFF2-40B4-BE49-F238E27FC236}">
-                <a16:creationId xmlns:a16="http://schemas.microsoft.com/office/drawing/2014/main" xmlns="" id="{1971FF96-4D93-9E6B-5BBC-4E5F98DABF0C}"/>
+                <a16:creationId xmlns:a16="http://schemas.microsoft.com/office/drawing/2014/main" id="{1971FF96-4D93-9E6B-5BBC-4E5F98DABF0C}"/>
               </a:ext>
             </a:extLst>
           </p:cNvPr>
@@ -4759,13 +4732,6 @@
   <p:clrMapOvr>
     <a:masterClrMapping/>
   </p:clrMapOvr>
-  <p:timing>
-    <p:tnLst>
-      <p:par>
-        <p:cTn id="1" dur="indefinite" restart="never" nodeType="tmRoot"/>
-      </p:par>
-    </p:tnLst>
-  </p:timing>
 </p:sld>
 </file>
 
@@ -5058,7 +5024,7 @@
   <a:extraClrSchemeLst/>
   <a:extLst>
     <a:ext uri="{05A4C25C-085E-4340-85A3-A5531E510DB2}">
-      <thm15:themeFamily xmlns:thm15="http://schemas.microsoft.com/office/thememl/2012/main" xmlns="" name="Office Theme" id="{62F939B6-93AF-4DB8-9C6B-D6C7DFDC589F}" vid="{4A3C46E8-61CC-4603-A589-7422A47A8E4A}"/>
+      <thm15:themeFamily xmlns:thm15="http://schemas.microsoft.com/office/thememl/2012/main" name="Office Theme" id="{62F939B6-93AF-4DB8-9C6B-D6C7DFDC589F}" vid="{4A3C46E8-61CC-4603-A589-7422A47A8E4A}"/>
     </a:ext>
   </a:extLst>
 </a:theme>
